--- a/모바일 스토리보드/플로워 차트 - 류한호 10.12 Ver07-01.pptx
+++ b/모바일 스토리보드/플로워 차트 - 류한호 10.12 Ver07-01.pptx
@@ -208,7 +208,7 @@
           <a:p>
             <a:fld id="{12595A70-1F8D-41A4-B6EB-E2CBBFAEB3EE}" type="datetimeFigureOut">
               <a:rPr lang="ko-KR" altLang="en-US" smtClean="0"/>
-              <a:t>2023-10-12</a:t>
+              <a:t>2023-10-13</a:t>
             </a:fld>
             <a:endParaRPr lang="ko-KR" altLang="en-US"/>
           </a:p>
@@ -607,7 +607,7 @@
           <a:p>
             <a:fld id="{F78A5050-3780-4EA7-9198-8F853BB81E07}" type="datetimeFigureOut">
               <a:rPr lang="ko-KR" altLang="en-US" smtClean="0"/>
-              <a:t>2023-10-12</a:t>
+              <a:t>2023-10-13</a:t>
             </a:fld>
             <a:endParaRPr lang="ko-KR" altLang="en-US"/>
           </a:p>
@@ -777,7 +777,7 @@
           <a:p>
             <a:fld id="{F78A5050-3780-4EA7-9198-8F853BB81E07}" type="datetimeFigureOut">
               <a:rPr lang="ko-KR" altLang="en-US" smtClean="0"/>
-              <a:t>2023-10-12</a:t>
+              <a:t>2023-10-13</a:t>
             </a:fld>
             <a:endParaRPr lang="ko-KR" altLang="en-US"/>
           </a:p>
@@ -957,7 +957,7 @@
           <a:p>
             <a:fld id="{F78A5050-3780-4EA7-9198-8F853BB81E07}" type="datetimeFigureOut">
               <a:rPr lang="ko-KR" altLang="en-US" smtClean="0"/>
-              <a:t>2023-10-12</a:t>
+              <a:t>2023-10-13</a:t>
             </a:fld>
             <a:endParaRPr lang="ko-KR" altLang="en-US"/>
           </a:p>
@@ -1127,7 +1127,7 @@
           <a:p>
             <a:fld id="{F78A5050-3780-4EA7-9198-8F853BB81E07}" type="datetimeFigureOut">
               <a:rPr lang="ko-KR" altLang="en-US" smtClean="0"/>
-              <a:t>2023-10-12</a:t>
+              <a:t>2023-10-13</a:t>
             </a:fld>
             <a:endParaRPr lang="ko-KR" altLang="en-US"/>
           </a:p>
@@ -1373,7 +1373,7 @@
           <a:p>
             <a:fld id="{F78A5050-3780-4EA7-9198-8F853BB81E07}" type="datetimeFigureOut">
               <a:rPr lang="ko-KR" altLang="en-US" smtClean="0"/>
-              <a:t>2023-10-12</a:t>
+              <a:t>2023-10-13</a:t>
             </a:fld>
             <a:endParaRPr lang="ko-KR" altLang="en-US"/>
           </a:p>
@@ -1605,7 +1605,7 @@
           <a:p>
             <a:fld id="{F78A5050-3780-4EA7-9198-8F853BB81E07}" type="datetimeFigureOut">
               <a:rPr lang="ko-KR" altLang="en-US" smtClean="0"/>
-              <a:t>2023-10-12</a:t>
+              <a:t>2023-10-13</a:t>
             </a:fld>
             <a:endParaRPr lang="ko-KR" altLang="en-US"/>
           </a:p>
@@ -1972,7 +1972,7 @@
           <a:p>
             <a:fld id="{F78A5050-3780-4EA7-9198-8F853BB81E07}" type="datetimeFigureOut">
               <a:rPr lang="ko-KR" altLang="en-US" smtClean="0"/>
-              <a:t>2023-10-12</a:t>
+              <a:t>2023-10-13</a:t>
             </a:fld>
             <a:endParaRPr lang="ko-KR" altLang="en-US"/>
           </a:p>
@@ -2090,7 +2090,7 @@
           <a:p>
             <a:fld id="{F78A5050-3780-4EA7-9198-8F853BB81E07}" type="datetimeFigureOut">
               <a:rPr lang="ko-KR" altLang="en-US" smtClean="0"/>
-              <a:t>2023-10-12</a:t>
+              <a:t>2023-10-13</a:t>
             </a:fld>
             <a:endParaRPr lang="ko-KR" altLang="en-US"/>
           </a:p>
@@ -2185,7 +2185,7 @@
           <a:p>
             <a:fld id="{F78A5050-3780-4EA7-9198-8F853BB81E07}" type="datetimeFigureOut">
               <a:rPr lang="ko-KR" altLang="en-US" smtClean="0"/>
-              <a:t>2023-10-12</a:t>
+              <a:t>2023-10-13</a:t>
             </a:fld>
             <a:endParaRPr lang="ko-KR" altLang="en-US"/>
           </a:p>
@@ -2462,7 +2462,7 @@
           <a:p>
             <a:fld id="{F78A5050-3780-4EA7-9198-8F853BB81E07}" type="datetimeFigureOut">
               <a:rPr lang="ko-KR" altLang="en-US" smtClean="0"/>
-              <a:t>2023-10-12</a:t>
+              <a:t>2023-10-13</a:t>
             </a:fld>
             <a:endParaRPr lang="ko-KR" altLang="en-US"/>
           </a:p>
@@ -2715,7 +2715,7 @@
           <a:p>
             <a:fld id="{F78A5050-3780-4EA7-9198-8F853BB81E07}" type="datetimeFigureOut">
               <a:rPr lang="ko-KR" altLang="en-US" smtClean="0"/>
-              <a:t>2023-10-12</a:t>
+              <a:t>2023-10-13</a:t>
             </a:fld>
             <a:endParaRPr lang="ko-KR" altLang="en-US"/>
           </a:p>
@@ -2928,7 +2928,7 @@
           <a:p>
             <a:fld id="{F78A5050-3780-4EA7-9198-8F853BB81E07}" type="datetimeFigureOut">
               <a:rPr lang="ko-KR" altLang="en-US" smtClean="0"/>
-              <a:t>2023-10-12</a:t>
+              <a:t>2023-10-13</a:t>
             </a:fld>
             <a:endParaRPr lang="ko-KR" altLang="en-US"/>
           </a:p>
@@ -23598,11 +23598,7 @@
             <a:pPr algn="ctr"/>
             <a:r>
               <a:rPr lang="ko-KR" altLang="en-US" sz="800" dirty="0" smtClean="0"/>
-              <a:t>비밀번호</a:t>
-            </a:r>
-            <a:r>
-              <a:rPr lang="ko-KR" altLang="en-US" sz="800" dirty="0" smtClean="0"/>
-              <a:t> 찾기 신청 </a:t>
+              <a:t>비밀번호 찾기 신청 </a:t>
             </a:r>
             <a:endParaRPr lang="ko-KR" altLang="en-US" sz="800" dirty="0"/>
           </a:p>
